--- a/05-Loops.pptx
+++ b/05-Loops.pptx
@@ -8624,7 +8624,31 @@
                   <a:schemeClr val="bg1"/>
                 </a:solidFill>
               </a:rPr>
-              <a:t>нечетни числа от 0 до </a:t>
+              <a:t>нечетни числа от </a:t>
+            </a:r>
+            <a:r>
+              <a:rPr lang="en-US" smtClean="0">
+                <a:solidFill>
+                  <a:schemeClr val="bg1"/>
+                </a:solidFill>
+              </a:rPr>
+              <a:t>1</a:t>
+            </a:r>
+            <a:r>
+              <a:rPr lang="bg-BG" smtClean="0">
+                <a:solidFill>
+                  <a:schemeClr val="bg1"/>
+                </a:solidFill>
+              </a:rPr>
+              <a:t> </a:t>
+            </a:r>
+            <a:r>
+              <a:rPr lang="bg-BG" dirty="0" smtClean="0">
+                <a:solidFill>
+                  <a:schemeClr val="bg1"/>
+                </a:solidFill>
+              </a:rPr>
+              <a:t>до </a:t>
             </a:r>
             <a:r>
               <a:rPr lang="en-US" dirty="0" smtClean="0">
@@ -8668,6 +8692,13 @@
   <p:clrMapOvr>
     <a:masterClrMapping/>
   </p:clrMapOvr>
+  <p:timing>
+    <p:tnLst>
+      <p:par>
+        <p:cTn id="1" dur="indefinite" restart="never" nodeType="tmRoot"/>
+      </p:par>
+    </p:tnLst>
+  </p:timing>
 </p:sld>
 </file>
 
